--- a/lectures/YourTurn.pptx
+++ b/lectures/YourTurn.pptx
@@ -226,7 +226,7 @@
           <a:p>
             <a:fld id="{08BD4FA9-F3CE-45B3-A980-C331C6F1EF65}" type="datetimeFigureOut">
               <a:rPr lang="en-US" smtClean="0"/>
-              <a:t>5/23/2021</a:t>
+              <a:t>3/12/2024</a:t>
             </a:fld>
             <a:endParaRPr lang="en-US"/>
           </a:p>
@@ -499,7 +499,7 @@
           <a:p>
             <a:fld id="{EAAD3657-2200-4D14-82C0-10C39B0F0F06}" type="datetime1">
               <a:rPr lang="en-US" smtClean="0"/>
-              <a:t>5/23/2021</a:t>
+              <a:t>3/12/2024</a:t>
             </a:fld>
             <a:endParaRPr lang="en-US"/>
           </a:p>
@@ -667,7 +667,7 @@
           <a:p>
             <a:fld id="{11BBAF55-A85E-4993-914E-FC1E5AA7DF24}" type="datetime1">
               <a:rPr lang="en-US" smtClean="0"/>
-              <a:t>5/23/2021</a:t>
+              <a:t>3/12/2024</a:t>
             </a:fld>
             <a:endParaRPr lang="en-US"/>
           </a:p>
@@ -845,7 +845,7 @@
           <a:p>
             <a:fld id="{39816E07-E1DB-44A4-A5E5-9F4B54E8C933}" type="datetime1">
               <a:rPr lang="en-US" smtClean="0"/>
-              <a:t>5/23/2021</a:t>
+              <a:t>3/12/2024</a:t>
             </a:fld>
             <a:endParaRPr lang="en-US"/>
           </a:p>
@@ -1030,7 +1030,7 @@
           <a:p>
             <a:fld id="{C2B1AD17-B813-4477-8AFE-B1860CC59113}" type="datetime1">
               <a:rPr lang="en-US" smtClean="0"/>
-              <a:t>5/23/2021</a:t>
+              <a:t>3/12/2024</a:t>
             </a:fld>
             <a:endParaRPr lang="en-US"/>
           </a:p>
@@ -1275,7 +1275,7 @@
           <a:p>
             <a:fld id="{D0975C0D-5C9E-48CC-8D31-F42D19FA8F7A}" type="datetime1">
               <a:rPr lang="en-US" smtClean="0"/>
-              <a:t>5/23/2021</a:t>
+              <a:t>3/12/2024</a:t>
             </a:fld>
             <a:endParaRPr lang="en-US"/>
           </a:p>
@@ -1560,7 +1560,7 @@
           <a:p>
             <a:fld id="{28657551-0F2B-4F09-86FD-F7994CE83DC5}" type="datetime1">
               <a:rPr lang="en-US" smtClean="0"/>
-              <a:t>5/23/2021</a:t>
+              <a:t>3/12/2024</a:t>
             </a:fld>
             <a:endParaRPr lang="en-US"/>
           </a:p>
@@ -1979,7 +1979,7 @@
           <a:p>
             <a:fld id="{3929D2B2-4200-46B9-96C3-02A55D5FAA00}" type="datetime1">
               <a:rPr lang="en-US" smtClean="0"/>
-              <a:t>5/23/2021</a:t>
+              <a:t>3/12/2024</a:t>
             </a:fld>
             <a:endParaRPr lang="en-US"/>
           </a:p>
@@ -2096,7 +2096,7 @@
           <a:p>
             <a:fld id="{41FF7722-74E8-497F-A072-89677A2C2373}" type="datetime1">
               <a:rPr lang="en-US" smtClean="0"/>
-              <a:t>5/23/2021</a:t>
+              <a:t>3/12/2024</a:t>
             </a:fld>
             <a:endParaRPr lang="en-US"/>
           </a:p>
@@ -2191,7 +2191,7 @@
           <a:p>
             <a:fld id="{BD26212E-B46B-426F-AE59-AA326827D9E0}" type="datetime1">
               <a:rPr lang="en-US" smtClean="0"/>
-              <a:t>5/23/2021</a:t>
+              <a:t>3/12/2024</a:t>
             </a:fld>
             <a:endParaRPr lang="en-US"/>
           </a:p>
@@ -2466,7 +2466,7 @@
           <a:p>
             <a:fld id="{FB9B81E8-09EA-4684-A39F-38DE1E49D20C}" type="datetime1">
               <a:rPr lang="en-US" smtClean="0"/>
-              <a:t>5/23/2021</a:t>
+              <a:t>3/12/2024</a:t>
             </a:fld>
             <a:endParaRPr lang="en-US"/>
           </a:p>
@@ -2718,7 +2718,7 @@
           <a:p>
             <a:fld id="{35C5CC5F-056C-4047-9A5C-9F5B4BED129B}" type="datetime1">
               <a:rPr lang="en-US" smtClean="0"/>
-              <a:t>5/23/2021</a:t>
+              <a:t>3/12/2024</a:t>
             </a:fld>
             <a:endParaRPr lang="en-US"/>
           </a:p>
@@ -2932,7 +2932,7 @@
           <a:p>
             <a:fld id="{E8171053-07BD-4A17-AC24-0A22EAA36098}" type="datetime1">
               <a:rPr lang="en-US" smtClean="0"/>
-              <a:t>5/23/2021</a:t>
+              <a:t>3/12/2024</a:t>
             </a:fld>
             <a:endParaRPr lang="en-US"/>
           </a:p>
@@ -3385,7 +3385,7 @@
                 </a:solidFill>
                 <a:hlinkClick r:id="rId2"/>
               </a:rPr>
-              <a:t>http://euclid.psych.yorku.ca/www/psy6135/</a:t>
+              <a:t>https://friendly.github.io/6135/</a:t>
             </a:r>
             <a:r>
               <a:rPr lang="en-US" sz="2200" dirty="0">
@@ -3397,6 +3397,7 @@
               </a:rPr>
               <a:t> </a:t>
             </a:r>
+            <a:endParaRPr lang="en-US" sz="2400" dirty="0"/>
           </a:p>
           <a:p>
             <a:endParaRPr lang="en-US" dirty="0"/>
@@ -3433,6 +3434,78 @@
           <a:xfrm>
             <a:off x="2460664" y="457199"/>
             <a:ext cx="4343400" cy="2371725"/>
+          </a:xfrm>
+          <a:prstGeom prst="rect">
+            <a:avLst/>
+          </a:prstGeom>
+        </p:spPr>
+      </p:pic>
+      <p:pic>
+        <p:nvPicPr>
+          <p:cNvPr id="4" name="Picture 3" descr="A hexagon with a head and icons&#10;&#10;Description automatically generated">
+            <a:extLst>
+              <a:ext uri="{FF2B5EF4-FFF2-40B4-BE49-F238E27FC236}">
+                <a16:creationId xmlns:a16="http://schemas.microsoft.com/office/drawing/2014/main" id="{28158730-E46C-6690-DF83-69CEC60AFBD8}"/>
+              </a:ext>
+            </a:extLst>
+          </p:cNvPr>
+          <p:cNvPicPr>
+            <a:picLocks noChangeAspect="1"/>
+          </p:cNvPicPr>
+          <p:nvPr/>
+        </p:nvPicPr>
+        <p:blipFill>
+          <a:blip r:embed="rId4" cstate="print">
+            <a:extLst>
+              <a:ext uri="{28A0092B-C50C-407E-A947-70E740481C1C}">
+                <a14:useLocalDpi xmlns:a14="http://schemas.microsoft.com/office/drawing/2010/main" val="0"/>
+              </a:ext>
+            </a:extLst>
+          </a:blip>
+          <a:stretch>
+            <a:fillRect/>
+          </a:stretch>
+        </p:blipFill>
+        <p:spPr>
+          <a:xfrm>
+            <a:off x="685800" y="4876799"/>
+            <a:ext cx="1063537" cy="1224000"/>
+          </a:xfrm>
+          <a:prstGeom prst="rect">
+            <a:avLst/>
+          </a:prstGeom>
+        </p:spPr>
+      </p:pic>
+      <p:pic>
+        <p:nvPicPr>
+          <p:cNvPr id="6" name="Picture 5" descr="A hexagon with a head and icons&#10;&#10;Description automatically generated">
+            <a:extLst>
+              <a:ext uri="{FF2B5EF4-FFF2-40B4-BE49-F238E27FC236}">
+                <a16:creationId xmlns:a16="http://schemas.microsoft.com/office/drawing/2014/main" id="{1C596898-653C-3A13-52CE-2BA65B218E28}"/>
+              </a:ext>
+            </a:extLst>
+          </p:cNvPr>
+          <p:cNvPicPr>
+            <a:picLocks noChangeAspect="1"/>
+          </p:cNvPicPr>
+          <p:nvPr/>
+        </p:nvPicPr>
+        <p:blipFill>
+          <a:blip r:embed="rId4" cstate="print">
+            <a:extLst>
+              <a:ext uri="{28A0092B-C50C-407E-A947-70E740481C1C}">
+                <a14:useLocalDpi xmlns:a14="http://schemas.microsoft.com/office/drawing/2010/main" val="0"/>
+              </a:ext>
+            </a:extLst>
+          </a:blip>
+          <a:stretch>
+            <a:fillRect/>
+          </a:stretch>
+        </p:blipFill>
+        <p:spPr>
+          <a:xfrm>
+            <a:off x="7414328" y="4876799"/>
+            <a:ext cx="1063537" cy="1224000"/>
           </a:xfrm>
           <a:prstGeom prst="rect">
             <a:avLst/>

--- a/lectures/YourTurn.pptx
+++ b/lectures/YourTurn.pptx
@@ -226,7 +226,7 @@
           <a:p>
             <a:fld id="{08BD4FA9-F3CE-45B3-A980-C331C6F1EF65}" type="datetimeFigureOut">
               <a:rPr lang="en-US" smtClean="0"/>
-              <a:t>3/12/2024</a:t>
+              <a:t>4/2/2024</a:t>
             </a:fld>
             <a:endParaRPr lang="en-US"/>
           </a:p>
@@ -499,7 +499,7 @@
           <a:p>
             <a:fld id="{EAAD3657-2200-4D14-82C0-10C39B0F0F06}" type="datetime1">
               <a:rPr lang="en-US" smtClean="0"/>
-              <a:t>3/12/2024</a:t>
+              <a:t>4/2/2024</a:t>
             </a:fld>
             <a:endParaRPr lang="en-US"/>
           </a:p>
@@ -667,7 +667,7 @@
           <a:p>
             <a:fld id="{11BBAF55-A85E-4993-914E-FC1E5AA7DF24}" type="datetime1">
               <a:rPr lang="en-US" smtClean="0"/>
-              <a:t>3/12/2024</a:t>
+              <a:t>4/2/2024</a:t>
             </a:fld>
             <a:endParaRPr lang="en-US"/>
           </a:p>
@@ -845,7 +845,7 @@
           <a:p>
             <a:fld id="{39816E07-E1DB-44A4-A5E5-9F4B54E8C933}" type="datetime1">
               <a:rPr lang="en-US" smtClean="0"/>
-              <a:t>3/12/2024</a:t>
+              <a:t>4/2/2024</a:t>
             </a:fld>
             <a:endParaRPr lang="en-US"/>
           </a:p>
@@ -1030,7 +1030,7 @@
           <a:p>
             <a:fld id="{C2B1AD17-B813-4477-8AFE-B1860CC59113}" type="datetime1">
               <a:rPr lang="en-US" smtClean="0"/>
-              <a:t>3/12/2024</a:t>
+              <a:t>4/2/2024</a:t>
             </a:fld>
             <a:endParaRPr lang="en-US"/>
           </a:p>
@@ -1275,7 +1275,7 @@
           <a:p>
             <a:fld id="{D0975C0D-5C9E-48CC-8D31-F42D19FA8F7A}" type="datetime1">
               <a:rPr lang="en-US" smtClean="0"/>
-              <a:t>3/12/2024</a:t>
+              <a:t>4/2/2024</a:t>
             </a:fld>
             <a:endParaRPr lang="en-US"/>
           </a:p>
@@ -1560,7 +1560,7 @@
           <a:p>
             <a:fld id="{28657551-0F2B-4F09-86FD-F7994CE83DC5}" type="datetime1">
               <a:rPr lang="en-US" smtClean="0"/>
-              <a:t>3/12/2024</a:t>
+              <a:t>4/2/2024</a:t>
             </a:fld>
             <a:endParaRPr lang="en-US"/>
           </a:p>
@@ -1979,7 +1979,7 @@
           <a:p>
             <a:fld id="{3929D2B2-4200-46B9-96C3-02A55D5FAA00}" type="datetime1">
               <a:rPr lang="en-US" smtClean="0"/>
-              <a:t>3/12/2024</a:t>
+              <a:t>4/2/2024</a:t>
             </a:fld>
             <a:endParaRPr lang="en-US"/>
           </a:p>
@@ -2096,7 +2096,7 @@
           <a:p>
             <a:fld id="{41FF7722-74E8-497F-A072-89677A2C2373}" type="datetime1">
               <a:rPr lang="en-US" smtClean="0"/>
-              <a:t>3/12/2024</a:t>
+              <a:t>4/2/2024</a:t>
             </a:fld>
             <a:endParaRPr lang="en-US"/>
           </a:p>
@@ -2191,7 +2191,7 @@
           <a:p>
             <a:fld id="{BD26212E-B46B-426F-AE59-AA326827D9E0}" type="datetime1">
               <a:rPr lang="en-US" smtClean="0"/>
-              <a:t>3/12/2024</a:t>
+              <a:t>4/2/2024</a:t>
             </a:fld>
             <a:endParaRPr lang="en-US"/>
           </a:p>
@@ -2466,7 +2466,7 @@
           <a:p>
             <a:fld id="{FB9B81E8-09EA-4684-A39F-38DE1E49D20C}" type="datetime1">
               <a:rPr lang="en-US" smtClean="0"/>
-              <a:t>3/12/2024</a:t>
+              <a:t>4/2/2024</a:t>
             </a:fld>
             <a:endParaRPr lang="en-US"/>
           </a:p>
@@ -2718,7 +2718,7 @@
           <a:p>
             <a:fld id="{35C5CC5F-056C-4047-9A5C-9F5B4BED129B}" type="datetime1">
               <a:rPr lang="en-US" smtClean="0"/>
-              <a:t>3/12/2024</a:t>
+              <a:t>4/2/2024</a:t>
             </a:fld>
             <a:endParaRPr lang="en-US"/>
           </a:p>
@@ -2932,7 +2932,7 @@
           <a:p>
             <a:fld id="{E8171053-07BD-4A17-AC24-0A22EAA36098}" type="datetime1">
               <a:rPr lang="en-US" smtClean="0"/>
-              <a:t>3/12/2024</a:t>
+              <a:t>4/2/2024</a:t>
             </a:fld>
             <a:endParaRPr lang="en-US"/>
           </a:p>
@@ -3561,7 +3561,7 @@
           <a:p>
             <a:r>
               <a:rPr lang="en-US" dirty="0"/>
-              <a:t>What did you like best about 6135?</a:t>
+              <a:t>Overall impression of 6135?</a:t>
             </a:r>
           </a:p>
         </p:txBody>
@@ -3583,13 +3583,83 @@
           <a:p>
             <a:r>
               <a:rPr lang="en-US" dirty="0"/>
-              <a:t>What topics were the most interesting?</a:t>
-            </a:r>
-          </a:p>
-          <a:p>
-            <a:r>
-              <a:rPr lang="en-US" dirty="0"/>
-              <a:t>What did you learn most from?</a:t>
+              <a:t>What </a:t>
+            </a:r>
+            <a:r>
+              <a:rPr lang="en-US" dirty="0">
+                <a:solidFill>
+                  <a:srgbClr val="FF0000"/>
+                </a:solidFill>
+              </a:rPr>
+              <a:t>topics</a:t>
+            </a:r>
+            <a:r>
+              <a:rPr lang="en-US" dirty="0"/>
+              <a:t> were the most/least interesting?</a:t>
+            </a:r>
+          </a:p>
+          <a:p>
+            <a:r>
+              <a:rPr lang="en-US" dirty="0"/>
+              <a:t>What course </a:t>
+            </a:r>
+            <a:r>
+              <a:rPr lang="en-US" dirty="0">
+                <a:solidFill>
+                  <a:srgbClr val="FF0000"/>
+                </a:solidFill>
+              </a:rPr>
+              <a:t>aspects</a:t>
+            </a:r>
+            <a:r>
+              <a:rPr lang="en-US" dirty="0"/>
+              <a:t> did you learn most/least from?</a:t>
+            </a:r>
+          </a:p>
+          <a:p>
+            <a:pPr lvl="1"/>
+            <a:r>
+              <a:rPr lang="en-US" dirty="0"/>
+              <a:t>Lectures / readings / prep for presentations / … </a:t>
+            </a:r>
+          </a:p>
+          <a:p>
+            <a:r>
+              <a:rPr lang="en-US" dirty="0"/>
+              <a:t>How did you use the course </a:t>
+            </a:r>
+            <a:r>
+              <a:rPr lang="en-US" dirty="0">
+                <a:solidFill>
+                  <a:srgbClr val="FF0000"/>
+                </a:solidFill>
+              </a:rPr>
+              <a:t>materials</a:t>
+            </a:r>
+            <a:r>
+              <a:rPr lang="en-US" dirty="0"/>
+              <a:t> on the web?</a:t>
+            </a:r>
+          </a:p>
+          <a:p>
+            <a:pPr lvl="1"/>
+            <a:r>
+              <a:rPr lang="en-US" dirty="0"/>
+              <a:t>Lecture notes?</a:t>
+            </a:r>
+          </a:p>
+          <a:p>
+            <a:pPr lvl="1"/>
+            <a:r>
+              <a:rPr lang="en-US" dirty="0"/>
+              <a:t>Readings?</a:t>
+            </a:r>
+          </a:p>
+          <a:p>
+            <a:pPr lvl="1"/>
+            <a:r>
+              <a:rPr lang="en-US" dirty="0"/>
+              <a:t>Resources?</a:t>
             </a:r>
           </a:p>
           <a:p>
@@ -3671,8 +3741,8 @@
           <a:lstStyle/>
           <a:p>
             <a:r>
-              <a:rPr lang="en-US" sz="2800" dirty="0"/>
-              <a:t>What could have been done better or differently?</a:t>
+              <a:rPr lang="en-US" sz="3600" dirty="0"/>
+              <a:t>What could have been done differently?</a:t>
             </a:r>
           </a:p>
         </p:txBody>
@@ -3689,15 +3759,25 @@
         </p:nvSpPr>
         <p:spPr/>
         <p:txBody>
-          <a:bodyPr/>
-          <a:lstStyle/>
-          <a:p>
+          <a:bodyPr>
+            <a:normAutofit lnSpcReduction="10000"/>
+          </a:bodyPr>
+          <a:lstStyle/>
+          <a:p>
+            <a:r>
+              <a:rPr lang="en-US" dirty="0"/>
+              <a:t>Topics:</a:t>
+            </a:r>
+          </a:p>
+          <a:p>
+            <a:pPr lvl="1"/>
             <a:r>
               <a:rPr lang="en-US" dirty="0"/>
               <a:t>More of X?</a:t>
             </a:r>
           </a:p>
           <a:p>
+            <a:pPr lvl="1"/>
             <a:r>
               <a:rPr lang="en-US" dirty="0"/>
               <a:t>Less of Y?</a:t>
@@ -3707,6 +3787,76 @@
             <a:r>
               <a:rPr lang="en-US" dirty="0"/>
               <a:t>Hands on stuff?</a:t>
+            </a:r>
+          </a:p>
+          <a:p>
+            <a:pPr lvl="1"/>
+            <a:r>
+              <a:rPr lang="en-US" dirty="0"/>
+              <a:t>More time showing coding in R/</a:t>
+            </a:r>
+            <a:r>
+              <a:rPr lang="en-US" dirty="0" err="1"/>
+              <a:t>Rstudio</a:t>
+            </a:r>
+            <a:r>
+              <a:rPr lang="en-US" dirty="0"/>
+              <a:t>?</a:t>
+            </a:r>
+          </a:p>
+          <a:p>
+            <a:pPr lvl="1"/>
+            <a:r>
+              <a:rPr lang="en-US" dirty="0"/>
+              <a:t>More exercises/examples/mini-assignments?</a:t>
+            </a:r>
+          </a:p>
+          <a:p>
+            <a:r>
+              <a:rPr lang="en-US" dirty="0"/>
+              <a:t>More ‘active learning’ components?</a:t>
+            </a:r>
+          </a:p>
+          <a:p>
+            <a:pPr lvl="1"/>
+            <a:r>
+              <a:rPr lang="en-US" dirty="0"/>
+              <a:t>Class demos, participation activities?</a:t>
+            </a:r>
+          </a:p>
+          <a:p>
+            <a:pPr lvl="1"/>
+            <a:r>
+              <a:rPr lang="en-US" dirty="0"/>
+              <a:t>Graph critiques? Could this be a class activity?</a:t>
+            </a:r>
+          </a:p>
+          <a:p>
+            <a:r>
+              <a:rPr lang="en-US" dirty="0"/>
+              <a:t>Evaluation:</a:t>
+            </a:r>
+          </a:p>
+          <a:p>
+            <a:pPr lvl="1"/>
+            <a:r>
+              <a:rPr lang="en-US" dirty="0"/>
+              <a:t>Something other than mini-</a:t>
+            </a:r>
+            <a:r>
+              <a:rPr lang="en-US" dirty="0" err="1"/>
+              <a:t>pres</a:t>
+            </a:r>
+            <a:r>
+              <a:rPr lang="en-US" dirty="0"/>
+              <a:t> / presentation / paper?</a:t>
+            </a:r>
+          </a:p>
+          <a:p>
+            <a:pPr lvl="1"/>
+            <a:r>
+              <a:rPr lang="en-US" dirty="0"/>
+              <a:t>Re-weight components?</a:t>
             </a:r>
           </a:p>
           <a:p>
@@ -3812,15 +3962,29 @@
             </a:r>
           </a:p>
           <a:p>
+            <a:pPr lvl="1"/>
             <a:r>
               <a:rPr lang="en-US" dirty="0"/>
               <a:t>Areas of application?</a:t>
             </a:r>
           </a:p>
           <a:p>
-            <a:r>
-              <a:rPr lang="en-US"/>
+            <a:pPr lvl="1"/>
+            <a:r>
+              <a:rPr lang="en-US" dirty="0"/>
               <a:t>New methods?</a:t>
+            </a:r>
+          </a:p>
+          <a:p>
+            <a:r>
+              <a:rPr lang="en-US" dirty="0"/>
+              <a:t>What would be good topics for next 6135?</a:t>
+            </a:r>
+          </a:p>
+          <a:p>
+            <a:r>
+              <a:rPr lang="en-US" dirty="0"/>
+              <a:t>What excites you?</a:t>
             </a:r>
           </a:p>
         </p:txBody>

--- a/lectures/YourTurn.pptx
+++ b/lectures/YourTurn.pptx
@@ -226,7 +226,7 @@
           <a:p>
             <a:fld id="{08BD4FA9-F3CE-45B3-A980-C331C6F1EF65}" type="datetimeFigureOut">
               <a:rPr lang="en-US" smtClean="0"/>
-              <a:t>4/2/2024</a:t>
+              <a:t>4/2/2025</a:t>
             </a:fld>
             <a:endParaRPr lang="en-US"/>
           </a:p>
@@ -499,7 +499,7 @@
           <a:p>
             <a:fld id="{EAAD3657-2200-4D14-82C0-10C39B0F0F06}" type="datetime1">
               <a:rPr lang="en-US" smtClean="0"/>
-              <a:t>4/2/2024</a:t>
+              <a:t>4/2/2025</a:t>
             </a:fld>
             <a:endParaRPr lang="en-US"/>
           </a:p>
@@ -667,7 +667,7 @@
           <a:p>
             <a:fld id="{11BBAF55-A85E-4993-914E-FC1E5AA7DF24}" type="datetime1">
               <a:rPr lang="en-US" smtClean="0"/>
-              <a:t>4/2/2024</a:t>
+              <a:t>4/2/2025</a:t>
             </a:fld>
             <a:endParaRPr lang="en-US"/>
           </a:p>
@@ -845,7 +845,7 @@
           <a:p>
             <a:fld id="{39816E07-E1DB-44A4-A5E5-9F4B54E8C933}" type="datetime1">
               <a:rPr lang="en-US" smtClean="0"/>
-              <a:t>4/2/2024</a:t>
+              <a:t>4/2/2025</a:t>
             </a:fld>
             <a:endParaRPr lang="en-US"/>
           </a:p>
@@ -1030,7 +1030,7 @@
           <a:p>
             <a:fld id="{C2B1AD17-B813-4477-8AFE-B1860CC59113}" type="datetime1">
               <a:rPr lang="en-US" smtClean="0"/>
-              <a:t>4/2/2024</a:t>
+              <a:t>4/2/2025</a:t>
             </a:fld>
             <a:endParaRPr lang="en-US"/>
           </a:p>
@@ -1275,7 +1275,7 @@
           <a:p>
             <a:fld id="{D0975C0D-5C9E-48CC-8D31-F42D19FA8F7A}" type="datetime1">
               <a:rPr lang="en-US" smtClean="0"/>
-              <a:t>4/2/2024</a:t>
+              <a:t>4/2/2025</a:t>
             </a:fld>
             <a:endParaRPr lang="en-US"/>
           </a:p>
@@ -1560,7 +1560,7 @@
           <a:p>
             <a:fld id="{28657551-0F2B-4F09-86FD-F7994CE83DC5}" type="datetime1">
               <a:rPr lang="en-US" smtClean="0"/>
-              <a:t>4/2/2024</a:t>
+              <a:t>4/2/2025</a:t>
             </a:fld>
             <a:endParaRPr lang="en-US"/>
           </a:p>
@@ -1979,7 +1979,7 @@
           <a:p>
             <a:fld id="{3929D2B2-4200-46B9-96C3-02A55D5FAA00}" type="datetime1">
               <a:rPr lang="en-US" smtClean="0"/>
-              <a:t>4/2/2024</a:t>
+              <a:t>4/2/2025</a:t>
             </a:fld>
             <a:endParaRPr lang="en-US"/>
           </a:p>
@@ -2096,7 +2096,7 @@
           <a:p>
             <a:fld id="{41FF7722-74E8-497F-A072-89677A2C2373}" type="datetime1">
               <a:rPr lang="en-US" smtClean="0"/>
-              <a:t>4/2/2024</a:t>
+              <a:t>4/2/2025</a:t>
             </a:fld>
             <a:endParaRPr lang="en-US"/>
           </a:p>
@@ -2191,7 +2191,7 @@
           <a:p>
             <a:fld id="{BD26212E-B46B-426F-AE59-AA326827D9E0}" type="datetime1">
               <a:rPr lang="en-US" smtClean="0"/>
-              <a:t>4/2/2024</a:t>
+              <a:t>4/2/2025</a:t>
             </a:fld>
             <a:endParaRPr lang="en-US"/>
           </a:p>
@@ -2466,7 +2466,7 @@
           <a:p>
             <a:fld id="{FB9B81E8-09EA-4684-A39F-38DE1E49D20C}" type="datetime1">
               <a:rPr lang="en-US" smtClean="0"/>
-              <a:t>4/2/2024</a:t>
+              <a:t>4/2/2025</a:t>
             </a:fld>
             <a:endParaRPr lang="en-US"/>
           </a:p>
@@ -2718,7 +2718,7 @@
           <a:p>
             <a:fld id="{35C5CC5F-056C-4047-9A5C-9F5B4BED129B}" type="datetime1">
               <a:rPr lang="en-US" smtClean="0"/>
-              <a:t>4/2/2024</a:t>
+              <a:t>4/2/2025</a:t>
             </a:fld>
             <a:endParaRPr lang="en-US"/>
           </a:p>
@@ -2932,7 +2932,7 @@
           <a:p>
             <a:fld id="{E8171053-07BD-4A17-AC24-0A22EAA36098}" type="datetime1">
               <a:rPr lang="en-US" smtClean="0"/>
-              <a:t>4/2/2024</a:t>
+              <a:t>4/2/2025</a:t>
             </a:fld>
             <a:endParaRPr lang="en-US"/>
           </a:p>
@@ -3338,7 +3338,7 @@
           <a:p>
             <a:r>
               <a:rPr lang="en-US" dirty="0"/>
-              <a:t>Your Turn: Feedback?</a:t>
+              <a:t>Your Turn: Feedback on #psy6135</a:t>
             </a:r>
           </a:p>
         </p:txBody>
